--- a/JOE.pptx
+++ b/JOE.pptx
@@ -122,7 +122,7 @@
   </p:defaultTextStyle>
   <p:extLst>
     <p:ext uri="{EFAFB233-063F-42B5-8137-9DF3F51BA10A}">
-      <p15:sldGuideLst xmlns="" xmlns:p15="http://schemas.microsoft.com/office/powerpoint/2012/main">
+      <p15:sldGuideLst xmlns:p15="http://schemas.microsoft.com/office/powerpoint/2012/main">
         <p15:guide id="1" orient="horz" pos="2880">
           <p15:clr>
             <a:srgbClr val="A4A3A4"/>
@@ -140,9 +140,18 @@
 </file>
 
 <file path=ppt/charts/chart1.xml><?xml version="1.0" encoding="utf-8"?>
-<c:chartSpace xmlns:c="http://schemas.openxmlformats.org/drawingml/2006/chart" xmlns:a="http://schemas.openxmlformats.org/drawingml/2006/main" xmlns:r="http://schemas.openxmlformats.org/officeDocument/2006/relationships">
-  <c:date1904 val="1"/>
+<c:chartSpace xmlns:c="http://schemas.openxmlformats.org/drawingml/2006/chart" xmlns:a="http://schemas.openxmlformats.org/drawingml/2006/main" xmlns:r="http://schemas.openxmlformats.org/officeDocument/2006/relationships" xmlns:c16r2="http://schemas.microsoft.com/office/drawing/2015/06/chart">
+  <c:date1904 val="0"/>
   <c:lang val="en-US"/>
+  <c:roundedCorners val="0"/>
+  <mc:AlternateContent xmlns:mc="http://schemas.openxmlformats.org/markup-compatibility/2006">
+    <mc:Choice xmlns:c14="http://schemas.microsoft.com/office/drawing/2007/8/2/chart" Requires="c14">
+      <c14:style val="102"/>
+    </mc:Choice>
+    <mc:Fallback>
+      <c:style val="2"/>
+    </mc:Fallback>
+  </mc:AlternateContent>
   <c:pivotSource>
     <c:name>[employee_data1.xlsx]Sheet1!PivotTable2</c:name>
     <c:fmtId val="21"/>
@@ -179,6 +188,7 @@
           </a:p>
         </c:rich>
       </c:tx>
+      <c:overlay val="0"/>
       <c:spPr>
         <a:noFill/>
         <a:ln>
@@ -186,7 +196,28 @@
         </a:ln>
         <a:effectLst/>
       </c:spPr>
+      <c:txPr>
+        <a:bodyPr rot="0" spcFirstLastPara="1" vertOverflow="ellipsis" vert="horz" wrap="square" anchor="ctr" anchorCtr="1"/>
+        <a:lstStyle/>
+        <a:p>
+          <a:pPr>
+            <a:defRPr sz="1400" b="0" i="0" u="none" strike="noStrike" kern="1200" spc="0" baseline="0">
+              <a:solidFill>
+                <a:schemeClr val="tx1">
+                  <a:lumMod val="65000"/>
+                  <a:lumOff val="35000"/>
+                </a:schemeClr>
+              </a:solidFill>
+              <a:latin typeface="+mn-lt"/>
+              <a:ea typeface="+mn-ea"/>
+              <a:cs typeface="+mn-cs"/>
+            </a:defRPr>
+          </a:pPr>
+          <a:endParaRPr lang="en-US"/>
+        </a:p>
+      </c:txPr>
     </c:title>
+    <c:autoTitleDeleted val="0"/>
     <c:pivotFmts>
       <c:pivotFmt>
         <c:idx val="0"/>
@@ -374,6 +405,7 @@
       <c:barChart>
         <c:barDir val="col"/>
         <c:grouping val="clustered"/>
+        <c:varyColors val="0"/>
         <c:ser>
           <c:idx val="0"/>
           <c:order val="0"/>
@@ -397,6 +429,7 @@
             </a:ln>
             <a:effectLst/>
           </c:spPr>
+          <c:invertIfNegative val="0"/>
           <c:cat>
             <c:strRef>
               <c:f>Sheet1!$A$5:$A$15</c:f>
@@ -474,7 +507,7 @@
               </c:numCache>
             </c:numRef>
           </c:val>
-          <c:extLst xmlns:c16r2="http://schemas.microsoft.com/office/drawing/2015/06/chart">
+          <c:extLst>
             <c:ext xmlns:c16="http://schemas.microsoft.com/office/drawing/2014/chart" uri="{C3380CC4-5D6E-409C-BE32-E72D297353CC}">
               <c16:uniqueId val="{00000000-59F5-4BF4-90DC-5E6EDE87D221}"/>
             </c:ext>
@@ -503,6 +536,7 @@
             </a:ln>
             <a:effectLst/>
           </c:spPr>
+          <c:invertIfNegative val="0"/>
           <c:cat>
             <c:strRef>
               <c:f>Sheet1!$A$5:$A$15</c:f>
@@ -580,7 +614,7 @@
               </c:numCache>
             </c:numRef>
           </c:val>
-          <c:extLst xmlns:c16r2="http://schemas.microsoft.com/office/drawing/2015/06/chart">
+          <c:extLst>
             <c:ext xmlns:c16="http://schemas.microsoft.com/office/drawing/2014/chart" uri="{C3380CC4-5D6E-409C-BE32-E72D297353CC}">
               <c16:uniqueId val="{00000004-59F5-4BF4-90DC-5E6EDE87D221}"/>
             </c:ext>
@@ -609,6 +643,7 @@
             </a:ln>
             <a:effectLst/>
           </c:spPr>
+          <c:invertIfNegative val="0"/>
           <c:cat>
             <c:strRef>
               <c:f>Sheet1!$A$5:$A$15</c:f>
@@ -686,7 +721,7 @@
               </c:numCache>
             </c:numRef>
           </c:val>
-          <c:extLst xmlns:c16r2="http://schemas.microsoft.com/office/drawing/2015/06/chart">
+          <c:extLst>
             <c:ext xmlns:c16="http://schemas.microsoft.com/office/drawing/2014/chart" uri="{C3380CC4-5D6E-409C-BE32-E72D297353CC}">
               <c16:uniqueId val="{00000005-59F5-4BF4-90DC-5E6EDE87D221}"/>
             </c:ext>
@@ -715,6 +750,7 @@
             </a:ln>
             <a:effectLst/>
           </c:spPr>
+          <c:invertIfNegative val="0"/>
           <c:cat>
             <c:strRef>
               <c:f>Sheet1!$A$5:$A$15</c:f>
@@ -792,12 +828,20 @@
               </c:numCache>
             </c:numRef>
           </c:val>
-          <c:extLst xmlns:c16r2="http://schemas.microsoft.com/office/drawing/2015/06/chart">
+          <c:extLst>
             <c:ext xmlns:c16="http://schemas.microsoft.com/office/drawing/2014/chart" uri="{C3380CC4-5D6E-409C-BE32-E72D297353CC}">
               <c16:uniqueId val="{00000006-59F5-4BF4-90DC-5E6EDE87D221}"/>
             </c:ext>
           </c:extLst>
         </c:ser>
+        <c:dLbls>
+          <c:showLegendKey val="0"/>
+          <c:showVal val="0"/>
+          <c:showCatName val="0"/>
+          <c:showSerName val="0"/>
+          <c:showPercent val="0"/>
+          <c:showBubbleSize val="0"/>
+        </c:dLbls>
         <c:gapWidth val="219"/>
         <c:overlap val="-27"/>
         <c:axId val="69454080"/>
@@ -808,9 +852,11 @@
         <c:scaling>
           <c:orientation val="minMax"/>
         </c:scaling>
+        <c:delete val="0"/>
         <c:axPos val="b"/>
         <c:numFmt formatCode="General" sourceLinked="1"/>
         <c:majorTickMark val="none"/>
+        <c:minorTickMark val="none"/>
         <c:tickLblPos val="nextTo"/>
         <c:spPr>
           <a:noFill/>
@@ -850,12 +896,14 @@
         <c:auto val="1"/>
         <c:lblAlgn val="ctr"/>
         <c:lblOffset val="100"/>
+        <c:noMultiLvlLbl val="0"/>
       </c:catAx>
       <c:valAx>
         <c:axId val="69487616"/>
         <c:scaling>
           <c:orientation val="minMax"/>
         </c:scaling>
+        <c:delete val="0"/>
         <c:axPos val="l"/>
         <c:majorGridlines>
           <c:spPr>
@@ -873,6 +921,7 @@
         </c:majorGridlines>
         <c:numFmt formatCode="General" sourceLinked="1"/>
         <c:majorTickMark val="none"/>
+        <c:minorTickMark val="none"/>
         <c:tickLblPos val="nextTo"/>
         <c:spPr>
           <a:noFill/>
@@ -915,6 +964,7 @@
     </c:plotArea>
     <c:legend>
       <c:legendPos val="r"/>
+      <c:overlay val="0"/>
       <c:spPr>
         <a:noFill/>
         <a:ln>
@@ -945,6 +995,7 @@
     </c:legend>
     <c:plotVisOnly val="1"/>
     <c:dispBlanksAs val="gap"/>
+    <c:showDLblsOverMax val="0"/>
   </c:chart>
   <c:spPr>
     <a:noFill/>
@@ -963,8 +1014,10 @@
       <a:endParaRPr lang="en-US"/>
     </a:p>
   </c:txPr>
-  <c:externalData r:id="rId1"/>
-  <c:extLst xmlns:c16r2="http://schemas.microsoft.com/office/drawing/2015/06/chart">
+  <c:externalData r:id="rId3">
+    <c:autoUpdate val="0"/>
+  </c:externalData>
+  <c:extLst>
     <c:ext xmlns:c14="http://schemas.microsoft.com/office/drawing/2007/8/2/chart" uri="{781A3756-C4B2-4CAC-9D66-4F8BD8637D16}">
       <c14:pivotOptions>
         <c14:dropZoneFilter val="1"/>
@@ -1609,7 +1662,7 @@
             <a:fld id="{84B86612-B127-4CD0-BF15-66D49A7175F7}" type="datetimeFigureOut">
               <a:rPr lang="en-IN" smtClean="0"/>
               <a:pPr/>
-              <a:t>10-09-2024</a:t>
+              <a:t>11-09-2024</a:t>
             </a:fld>
             <a:endParaRPr lang="en-IN"/>
           </a:p>
@@ -1778,7 +1831,7 @@
     </p:spTree>
     <p:extLst>
       <p:ext uri="{BB962C8B-B14F-4D97-AF65-F5344CB8AC3E}">
-        <p14:creationId xmlns="" xmlns:p14="http://schemas.microsoft.com/office/powerpoint/2010/main" val="2918557904"/>
+        <p14:creationId xmlns:p14="http://schemas.microsoft.com/office/powerpoint/2010/main" val="2918557904"/>
       </p:ext>
     </p:extLst>
   </p:cSld>
@@ -1953,7 +2006,7 @@
     </p:spTree>
     <p:extLst>
       <p:ext uri="{BB962C8B-B14F-4D97-AF65-F5344CB8AC3E}">
-        <p14:creationId xmlns="" xmlns:p14="http://schemas.microsoft.com/office/powerpoint/2010/main" val="404353501"/>
+        <p14:creationId xmlns:p14="http://schemas.microsoft.com/office/powerpoint/2010/main" val="404353501"/>
       </p:ext>
     </p:extLst>
   </p:cSld>
@@ -2109,7 +2162,7 @@
             <a:fld id="{1D8BD707-D9CF-40AE-B4C6-C98DA3205C09}" type="datetimeFigureOut">
               <a:rPr lang="en-US"/>
               <a:pPr/>
-              <a:t>9/10/2024</a:t>
+              <a:t>9/11/2024</a:t>
             </a:fld>
             <a:endParaRPr lang="en-US"/>
           </a:p>
@@ -2298,7 +2351,7 @@
             <a:fld id="{1D8BD707-D9CF-40AE-B4C6-C98DA3205C09}" type="datetimeFigureOut">
               <a:rPr lang="en-US"/>
               <a:pPr/>
-              <a:t>9/10/2024</a:t>
+              <a:t>9/11/2024</a:t>
             </a:fld>
             <a:endParaRPr lang="en-US"/>
           </a:p>
@@ -2530,7 +2583,7 @@
             <a:fld id="{1D8BD707-D9CF-40AE-B4C6-C98DA3205C09}" type="datetimeFigureOut">
               <a:rPr lang="en-US"/>
               <a:pPr/>
-              <a:t>9/10/2024</a:t>
+              <a:t>9/11/2024</a:t>
             </a:fld>
             <a:endParaRPr lang="en-US"/>
           </a:p>
@@ -2696,7 +2749,7 @@
             <a:fld id="{1D8BD707-D9CF-40AE-B4C6-C98DA3205C09}" type="datetimeFigureOut">
               <a:rPr lang="en-US"/>
               <a:pPr/>
-              <a:t>9/10/2024</a:t>
+              <a:t>9/11/2024</a:t>
             </a:fld>
             <a:endParaRPr lang="en-US"/>
           </a:p>
@@ -2833,7 +2886,7 @@
             <a:fld id="{1D8BD707-D9CF-40AE-B4C6-C98DA3205C09}" type="datetimeFigureOut">
               <a:rPr lang="en-US"/>
               <a:pPr/>
-              <a:t>9/10/2024</a:t>
+              <a:t>9/11/2024</a:t>
             </a:fld>
             <a:endParaRPr lang="en-US"/>
           </a:p>
@@ -3561,7 +3614,7 @@
             <a:fld id="{1D8BD707-D9CF-40AE-B4C6-C98DA3205C09}" type="datetimeFigureOut">
               <a:rPr lang="en-US"/>
               <a:pPr/>
-              <a:t>9/10/2024</a:t>
+              <a:t>9/11/2024</a:t>
             </a:fld>
             <a:endParaRPr lang="en-US"/>
           </a:p>
@@ -4087,16 +4140,6 @@
               </a:rPr>
               <a:t> </a:t>
             </a:r>
-            <a:r>
-              <a:rPr lang="en-US" b="1" i="0" dirty="0">
-                <a:solidFill>
-                  <a:srgbClr val="0F0F0F"/>
-                </a:solidFill>
-                <a:effectLst/>
-                <a:latin typeface="Roboto" panose="020F0502020204030204" pitchFamily="2" charset="0"/>
-              </a:rPr>
-              <a:t/>
-            </a:r>
             <a:br>
               <a:rPr lang="en-US" b="1" i="0" dirty="0">
                 <a:solidFill>
@@ -4182,7 +4225,7 @@
           <p:cNvPr id="14" name="TextBox 13">
             <a:extLst>
               <a:ext uri="{FF2B5EF4-FFF2-40B4-BE49-F238E27FC236}">
-                <a16:creationId xmlns="" xmlns:a16="http://schemas.microsoft.com/office/drawing/2014/main" id="{D55ADE35-C35B-07C1-F5AA-C33B3DDB802E}"/>
+                <a16:creationId xmlns:a16="http://schemas.microsoft.com/office/drawing/2014/main" id="{D55ADE35-C35B-07C1-F5AA-C33B3DDB802E}"/>
               </a:ext>
             </a:extLst>
           </p:cNvPr>
@@ -4207,24 +4250,14 @@
           <a:p>
             <a:r>
               <a:rPr lang="en-US" sz="2400" dirty="0"/>
-              <a:t>STUDENT NAME: </a:t>
-            </a:r>
-            <a:r>
-              <a:rPr lang="en-US" sz="2400" dirty="0" smtClean="0"/>
-              <a:t>P JOTHI MADASAMY</a:t>
-            </a:r>
-            <a:endParaRPr lang="en-US" sz="2400" dirty="0"/>
+              <a:t>STUDENT NAME: P JOTHI MADASAMY</a:t>
+            </a:r>
           </a:p>
           <a:p>
             <a:r>
               <a:rPr lang="en-US" sz="2400" dirty="0"/>
-              <a:t>REGISTER NO: </a:t>
-            </a:r>
-            <a:r>
-              <a:rPr lang="en-US" sz="2400" dirty="0" smtClean="0"/>
-              <a:t>312217768</a:t>
-            </a:r>
-            <a:endParaRPr lang="en-US" sz="2400" dirty="0"/>
+              <a:t>REGISTER NO: 312217768</a:t>
+            </a:r>
           </a:p>
           <a:p>
             <a:r>
@@ -4233,11 +4266,7 @@
             </a:r>
             <a:r>
               <a:rPr lang="en-US" sz="2400"/>
-              <a:t>: </a:t>
-            </a:r>
-            <a:r>
-              <a:rPr lang="en-US" sz="2400" smtClean="0"/>
-              <a:t>asunm1011010unm1011010312217768</a:t>
+              <a:t>: asunm1011010unm1011010312217768</a:t>
             </a:r>
             <a:endParaRPr lang="en-US" sz="2400" dirty="0"/>
           </a:p>
@@ -4772,7 +4801,7 @@
           <p:cNvPr id="9" name="TextBox 8">
             <a:extLst>
               <a:ext uri="{FF2B5EF4-FFF2-40B4-BE49-F238E27FC236}">
-                <a16:creationId xmlns="" xmlns:a16="http://schemas.microsoft.com/office/drawing/2014/main" id="{FAD9CEB2-36E1-0550-426B-2FAF97882044}"/>
+                <a16:creationId xmlns:a16="http://schemas.microsoft.com/office/drawing/2014/main" id="{FAD9CEB2-36E1-0550-426B-2FAF97882044}"/>
               </a:ext>
             </a:extLst>
           </p:cNvPr>
@@ -5644,7 +5673,7 @@
     </p:spTree>
     <p:extLst>
       <p:ext uri="{BB962C8B-B14F-4D97-AF65-F5344CB8AC3E}">
-        <p14:creationId xmlns="" xmlns:p14="http://schemas.microsoft.com/office/powerpoint/2010/main" val="3681952607"/>
+        <p14:creationId xmlns:p14="http://schemas.microsoft.com/office/powerpoint/2010/main" val="3681952607"/>
       </p:ext>
     </p:extLst>
   </p:cSld>
@@ -5966,7 +5995,7 @@
           <p:nvPr>
             <p:extLst>
               <p:ext uri="{D42A27DB-BD31-4B8C-83A1-F6EECF244321}">
-                <p14:modId xmlns="" xmlns:p14="http://schemas.microsoft.com/office/powerpoint/2010/main" val="3119581580"/>
+                <p14:modId xmlns:p14="http://schemas.microsoft.com/office/powerpoint/2010/main" val="3119581580"/>
               </p:ext>
             </p:extLst>
           </p:nvPr>
@@ -6011,7 +6040,7 @@
           <p:cNvPr id="2" name="Title 1">
             <a:extLst>
               <a:ext uri="{FF2B5EF4-FFF2-40B4-BE49-F238E27FC236}">
-                <a16:creationId xmlns="" xmlns:a16="http://schemas.microsoft.com/office/drawing/2014/main" id="{F9A5CB5B-BDD0-5A64-1A7C-37D3C88F8F9E}"/>
+                <a16:creationId xmlns:a16="http://schemas.microsoft.com/office/drawing/2014/main" id="{F9A5CB5B-BDD0-5A64-1A7C-37D3C88F8F9E}"/>
               </a:ext>
             </a:extLst>
           </p:cNvPr>
@@ -6069,14 +6098,14 @@
           <a:effectLst/>
           <a:extLst>
             <a:ext uri="{909E8E84-426E-40DD-AFC4-6F175D3DCCD1}">
-              <a14:hiddenFill xmlns="" xmlns:a14="http://schemas.microsoft.com/office/drawing/2010/main">
+              <a14:hiddenFill xmlns:a14="http://schemas.microsoft.com/office/drawing/2010/main">
                 <a:solidFill>
                   <a:schemeClr val="accent1"/>
                 </a:solidFill>
               </a14:hiddenFill>
             </a:ext>
             <a:ext uri="{91240B29-F687-4F45-9708-019B960494DF}">
-              <a14:hiddenLine xmlns="" xmlns:a14="http://schemas.microsoft.com/office/drawing/2010/main" w="9525">
+              <a14:hiddenLine xmlns:a14="http://schemas.microsoft.com/office/drawing/2010/main" w="9525">
                 <a:solidFill>
                   <a:schemeClr val="tx1"/>
                 </a:solidFill>
@@ -6086,7 +6115,7 @@
               </a14:hiddenLine>
             </a:ext>
             <a:ext uri="{AF507438-7753-43E0-B8FC-AC1667EBCBE1}">
-              <a14:hiddenEffects xmlns="" xmlns:a14="http://schemas.microsoft.com/office/drawing/2010/main">
+              <a14:hiddenEffects xmlns:a14="http://schemas.microsoft.com/office/drawing/2010/main">
                 <a:effectLst>
                   <a:outerShdw dist="35921" dir="2700000" algn="ctr" rotWithShape="0">
                     <a:schemeClr val="bg2"/>
@@ -6168,7 +6197,7 @@
     </p:spTree>
     <p:extLst>
       <p:ext uri="{BB962C8B-B14F-4D97-AF65-F5344CB8AC3E}">
-        <p14:creationId xmlns="" xmlns:p14="http://schemas.microsoft.com/office/powerpoint/2010/main" val="2986442291"/>
+        <p14:creationId xmlns:p14="http://schemas.microsoft.com/office/powerpoint/2010/main" val="2986442291"/>
       </p:ext>
     </p:extLst>
   </p:cSld>
@@ -7062,7 +7091,7 @@
           <p:cNvPr id="23" name="TextBox 22">
             <a:extLst>
               <a:ext uri="{FF2B5EF4-FFF2-40B4-BE49-F238E27FC236}">
-                <a16:creationId xmlns="" xmlns:a16="http://schemas.microsoft.com/office/drawing/2014/main" id="{F691EEC8-E83B-8506-163B-F39E906CCC0A}"/>
+                <a16:creationId xmlns:a16="http://schemas.microsoft.com/office/drawing/2014/main" id="{F691EEC8-E83B-8506-163B-F39E906CCC0A}"/>
               </a:ext>
             </a:extLst>
           </p:cNvPr>
@@ -8326,7 +8355,7 @@
           <p:cNvPr id="23" name="TextBox 22">
             <a:extLst>
               <a:ext uri="{FF2B5EF4-FFF2-40B4-BE49-F238E27FC236}">
-                <a16:creationId xmlns="" xmlns:a16="http://schemas.microsoft.com/office/drawing/2014/main" id="{D0827FA3-A9D4-0FE5-45BE-664C8C920E82}"/>
+                <a16:creationId xmlns:a16="http://schemas.microsoft.com/office/drawing/2014/main" id="{D0827FA3-A9D4-0FE5-45BE-664C8C920E82}"/>
               </a:ext>
             </a:extLst>
           </p:cNvPr>
@@ -8922,14 +8951,14 @@
           <a:effectLst/>
           <a:extLst>
             <a:ext uri="{909E8E84-426E-40DD-AFC4-6F175D3DCCD1}">
-              <a14:hiddenFill xmlns="" xmlns:a14="http://schemas.microsoft.com/office/drawing/2010/main">
+              <a14:hiddenFill xmlns:a14="http://schemas.microsoft.com/office/drawing/2010/main">
                 <a:solidFill>
                   <a:schemeClr val="accent1"/>
                 </a:solidFill>
               </a14:hiddenFill>
             </a:ext>
             <a:ext uri="{91240B29-F687-4F45-9708-019B960494DF}">
-              <a14:hiddenLine xmlns="" xmlns:a14="http://schemas.microsoft.com/office/drawing/2010/main" w="9525">
+              <a14:hiddenLine xmlns:a14="http://schemas.microsoft.com/office/drawing/2010/main" w="9525">
                 <a:solidFill>
                   <a:schemeClr val="tx1"/>
                 </a:solidFill>
@@ -8939,7 +8968,7 @@
               </a14:hiddenLine>
             </a:ext>
             <a:ext uri="{AF507438-7753-43E0-B8FC-AC1667EBCBE1}">
-              <a14:hiddenEffects xmlns="" xmlns:a14="http://schemas.microsoft.com/office/drawing/2010/main">
+              <a14:hiddenEffects xmlns:a14="http://schemas.microsoft.com/office/drawing/2010/main">
                 <a:effectLst>
                   <a:outerShdw dist="35921" dir="2700000" algn="ctr" rotWithShape="0">
                     <a:schemeClr val="bg2"/>
@@ -9348,7 +9377,7 @@
           <p:cNvPr id="11" name="TextBox 10">
             <a:extLst>
               <a:ext uri="{FF2B5EF4-FFF2-40B4-BE49-F238E27FC236}">
-                <a16:creationId xmlns="" xmlns:a16="http://schemas.microsoft.com/office/drawing/2014/main" id="{F050B57B-77CA-84FA-9910-3F41C17BBB48}"/>
+                <a16:creationId xmlns:a16="http://schemas.microsoft.com/office/drawing/2014/main" id="{F050B57B-77CA-84FA-9910-3F41C17BBB48}"/>
               </a:ext>
             </a:extLst>
           </p:cNvPr>
@@ -9799,7 +9828,7 @@
           <a:blip r:embed="rId3">
             <a:extLst>
               <a:ext uri="{28A0092B-C50C-407E-A947-70E740481C1C}">
-                <a14:useLocalDpi xmlns="" xmlns:a14="http://schemas.microsoft.com/office/drawing/2010/main" val="0"/>
+                <a14:useLocalDpi xmlns:a14="http://schemas.microsoft.com/office/drawing/2010/main" val="0"/>
               </a:ext>
             </a:extLst>
           </a:blip>
@@ -10344,7 +10373,7 @@
           <p:cNvPr id="2" name="Title 1">
             <a:extLst>
               <a:ext uri="{FF2B5EF4-FFF2-40B4-BE49-F238E27FC236}">
-                <a16:creationId xmlns="" xmlns:a16="http://schemas.microsoft.com/office/drawing/2014/main" id="{6E06195E-16D6-79D8-7A9F-F8EB1FE9E212}"/>
+                <a16:creationId xmlns:a16="http://schemas.microsoft.com/office/drawing/2014/main" id="{6E06195E-16D6-79D8-7A9F-F8EB1FE9E212}"/>
               </a:ext>
             </a:extLst>
           </p:cNvPr>
@@ -10497,7 +10526,7 @@
     </p:spTree>
     <p:extLst>
       <p:ext uri="{BB962C8B-B14F-4D97-AF65-F5344CB8AC3E}">
-        <p14:creationId xmlns="" xmlns:p14="http://schemas.microsoft.com/office/powerpoint/2010/main" val="2720660618"/>
+        <p14:creationId xmlns:p14="http://schemas.microsoft.com/office/powerpoint/2010/main" val="2720660618"/>
       </p:ext>
     </p:extLst>
   </p:cSld>
@@ -10529,7 +10558,7 @@
           <p:cNvPr id="2" name="Title 1">
             <a:extLst>
               <a:ext uri="{FF2B5EF4-FFF2-40B4-BE49-F238E27FC236}">
-                <a16:creationId xmlns="" xmlns:a16="http://schemas.microsoft.com/office/drawing/2014/main" id="{6E06195E-16D6-79D8-7A9F-F8EB1FE9E212}"/>
+                <a16:creationId xmlns:a16="http://schemas.microsoft.com/office/drawing/2014/main" id="{6E06195E-16D6-79D8-7A9F-F8EB1FE9E212}"/>
               </a:ext>
             </a:extLst>
           </p:cNvPr>
@@ -10640,7 +10669,7 @@
     </p:spTree>
     <p:extLst>
       <p:ext uri="{BB962C8B-B14F-4D97-AF65-F5344CB8AC3E}">
-        <p14:creationId xmlns="" xmlns:p14="http://schemas.microsoft.com/office/powerpoint/2010/main" val="1156605578"/>
+        <p14:creationId xmlns:p14="http://schemas.microsoft.com/office/powerpoint/2010/main" val="1156605578"/>
       </p:ext>
     </p:extLst>
   </p:cSld>
@@ -11222,7 +11251,7 @@
   <a:extraClrSchemeLst/>
   <a:extLst>
     <a:ext uri="{05A4C25C-085E-4340-85A3-A5531E510DB2}">
-      <thm15:themeFamily xmlns="" xmlns:thm15="http://schemas.microsoft.com/office/thememl/2012/main" name="Office Theme" id="{62F939B6-93AF-4DB8-9C6B-D6C7DFDC589F}" vid="{4A3C46E8-61CC-4603-A589-7422A47A8E4A}"/>
+      <thm15:themeFamily xmlns:thm15="http://schemas.microsoft.com/office/thememl/2012/main" name="Office Theme" id="{62F939B6-93AF-4DB8-9C6B-D6C7DFDC589F}" vid="{4A3C46E8-61CC-4603-A589-7422A47A8E4A}"/>
     </a:ext>
   </a:extLst>
 </a:theme>
